--- a/07_MatplotlibLibrary.pptx
+++ b/07_MatplotlibLibrary.pptx
@@ -3926,7 +3926,7 @@
               <a:rPr lang="en-US" sz="1600" dirty="0">
                 <a:hlinkClick r:id="rId2"/>
               </a:rPr>
-              <a:t>https://www.tutorialspoint.com/python_data_science/python_scipy.htm</a:t>
+              <a:t>https://www.tutorialspoint.com/python_data_science/python_matplotlib.htm</a:t>
             </a:r>
             <a:endParaRPr kumimoji="0" lang="zh-TW" altLang="en-US" sz="1600" b="0" i="0" u="none" strike="noStrike" kern="1200" cap="none" spc="0" normalizeH="0" baseline="0" noProof="0" dirty="0">
               <a:ln>
@@ -4475,7 +4475,7 @@
               <a:rPr lang="en-US" sz="1600" dirty="0">
                 <a:hlinkClick r:id="rId2"/>
               </a:rPr>
-              <a:t>https://www.tutorialspoint.com/python_data_science/python_scipy.htm</a:t>
+              <a:t>https://www.tutorialspoint.com/python_data_science/python_matplotlib.htm</a:t>
             </a:r>
             <a:endParaRPr kumimoji="0" lang="zh-TW" altLang="en-US" sz="1600" b="0" i="0" u="none" strike="noStrike" kern="1200" cap="none" spc="0" normalizeH="0" baseline="0" noProof="0" dirty="0">
               <a:ln>
@@ -4812,7 +4812,7 @@
               <a:rPr lang="en-US" sz="1600" dirty="0">
                 <a:hlinkClick r:id="rId2"/>
               </a:rPr>
-              <a:t>https://www.tutorialspoint.com/python_data_science/python_scipy.htm</a:t>
+              <a:t>https://www.tutorialspoint.com/python_data_science/python_matplotlib.htm</a:t>
             </a:r>
             <a:endParaRPr kumimoji="0" lang="zh-TW" altLang="en-US" sz="1600" b="0" i="0" u="none" strike="noStrike" kern="1200" cap="none" spc="0" normalizeH="0" baseline="0" noProof="0" dirty="0">
               <a:ln>
@@ -5177,7 +5177,7 @@
               <a:rPr lang="en-US" sz="1600" dirty="0">
                 <a:hlinkClick r:id="rId2"/>
               </a:rPr>
-              <a:t>https://www.tutorialspoint.com/python_data_science/python_scipy.htm</a:t>
+              <a:t>https://www.tutorialspoint.com/python_data_science/python_matplotlib.htm</a:t>
             </a:r>
             <a:endParaRPr kumimoji="0" lang="zh-TW" altLang="en-US" sz="1600" b="0" i="0" u="none" strike="noStrike" kern="1200" cap="none" spc="0" normalizeH="0" baseline="0" noProof="0" dirty="0">
               <a:ln>
